--- a/DBDesign/7_GeneralizationandSpecialization.pptx
+++ b/DBDesign/7_GeneralizationandSpecialization.pptx
@@ -3552,7 +3552,7 @@
           <a:p>
             <a:fld id="{670FF0DC-4CC6-E74B-ADE9-A3A724E54A70}" type="datetime1">
               <a:rPr lang="en-US" smtClean="0"/>
-              <a:t>3/22/19</a:t>
+              <a:t>4/9/19</a:t>
             </a:fld>
             <a:endParaRPr lang="en-US"/>
           </a:p>
@@ -3810,7 +3810,7 @@
           <a:p>
             <a:fld id="{F1FDBABF-E9B9-0B48-88BB-0E26979FE3C3}" type="datetime1">
               <a:rPr lang="en-US" smtClean="0"/>
-              <a:t>3/22/19</a:t>
+              <a:t>4/9/19</a:t>
             </a:fld>
             <a:endParaRPr lang="en-US"/>
           </a:p>
@@ -4009,7 +4009,7 @@
           <a:p>
             <a:fld id="{F1FDBABF-E9B9-0B48-88BB-0E26979FE3C3}" type="datetime1">
               <a:rPr lang="en-US" smtClean="0"/>
-              <a:t>3/22/19</a:t>
+              <a:t>4/9/19</a:t>
             </a:fld>
             <a:endParaRPr lang="en-US"/>
           </a:p>
@@ -4578,7 +4578,7 @@
           <a:p>
             <a:fld id="{1F61FEA7-45D8-2D44-B4D3-34CB831CBB98}" type="datetimeFigureOut">
               <a:rPr lang="en-US" smtClean="0"/>
-              <a:t>3/22/19</a:t>
+              <a:t>4/9/19</a:t>
             </a:fld>
             <a:endParaRPr lang="en-US"/>
           </a:p>
@@ -4882,7 +4882,7 @@
           <a:p>
             <a:fld id="{096CA4E7-51A4-4043-B144-32E78EB53B2F}" type="datetime1">
               <a:rPr lang="en-US" smtClean="0"/>
-              <a:t>3/22/19</a:t>
+              <a:t>4/9/19</a:t>
             </a:fld>
             <a:endParaRPr lang="en-US"/>
           </a:p>
@@ -5053,7 +5053,7 @@
           </a:ln>
           <a:extLst>
             <a:ext uri="{C572A759-6A51-4108-AA02-DFA0A04FC94B}">
-              <ma14:wrappingTextBoxFlag xmlns:ma14="http://schemas.microsoft.com/office/mac/drawingml/2011/main" xmlns="" val="1"/>
+              <ma14:wrappingTextBoxFlag xmlns="" xmlns:ma14="http://schemas.microsoft.com/office/mac/drawingml/2011/main" val="1"/>
             </a:ext>
           </a:extLst>
         </p:spPr>
@@ -5104,7 +5104,7 @@
           </a:ln>
           <a:extLst>
             <a:ext uri="{C572A759-6A51-4108-AA02-DFA0A04FC94B}">
-              <ma14:wrappingTextBoxFlag xmlns:ma14="http://schemas.microsoft.com/office/mac/drawingml/2011/main" xmlns="" val="1"/>
+              <ma14:wrappingTextBoxFlag xmlns="" xmlns:ma14="http://schemas.microsoft.com/office/mac/drawingml/2011/main" val="1"/>
             </a:ext>
           </a:extLst>
         </p:spPr>
@@ -5712,7 +5712,7 @@
           </a:ln>
           <a:extLst>
             <a:ext uri="{C572A759-6A51-4108-AA02-DFA0A04FC94B}">
-              <ma14:wrappingTextBoxFlag xmlns:ma14="http://schemas.microsoft.com/office/mac/drawingml/2011/main" xmlns="" val="1"/>
+              <ma14:wrappingTextBoxFlag xmlns="" xmlns:ma14="http://schemas.microsoft.com/office/mac/drawingml/2011/main" val="1"/>
             </a:ext>
           </a:extLst>
         </p:spPr>
@@ -7801,7 +7801,7 @@
                                         <p:tgtEl>
                                           <p:spTgt spid="3">
                                             <p:txEl>
-                                              <p:charRg st="111" end="205"/>
+                                              <p:pRg st="2" end="2"/>
                                             </p:txEl>
                                           </p:spTgt>
                                         </p:tgtEl>
@@ -7948,7 +7948,7 @@
                 <a:latin typeface="나눔고딕" panose="020D0604000000000000" pitchFamily="50" charset="-127"/>
                 <a:ea typeface="나눔고딕" panose="020D0604000000000000" pitchFamily="50" charset="-127"/>
               </a:rPr>
-              <a:t> generalization</a:t>
+              <a:t> Generalization</a:t>
             </a:r>
             <a:r>
               <a:rPr lang="ko-KR" altLang="en-US" sz="2400" dirty="0">
@@ -12332,7 +12332,21 @@
                 <a:latin typeface="나눔고딕" panose="020D0604000000000000" pitchFamily="50" charset="-127"/>
                 <a:ea typeface="나눔고딕" panose="020D0604000000000000" pitchFamily="50" charset="-127"/>
               </a:rPr>
-              <a:t>수퍼클래스의 하위 클래스 일 수도 있고 그렇지 않을 수도 있습니다</a:t>
+              <a:t>수퍼클래스의 </a:t>
+            </a:r>
+            <a:r>
+              <a:rPr lang="ko-KR" altLang="en-US" sz="2800" dirty="0" err="1">
+                <a:latin typeface="나눔고딕" panose="020D0604000000000000" pitchFamily="50" charset="-127"/>
+                <a:ea typeface="나눔고딕" panose="020D0604000000000000" pitchFamily="50" charset="-127"/>
+              </a:rPr>
+              <a:t>서브클래스</a:t>
+            </a:r>
+            <a:r>
+              <a:rPr lang="ko-KR" altLang="en-US" sz="2800" dirty="0">
+                <a:latin typeface="나눔고딕" panose="020D0604000000000000" pitchFamily="50" charset="-127"/>
+                <a:ea typeface="나눔고딕" panose="020D0604000000000000" pitchFamily="50" charset="-127"/>
+              </a:rPr>
+              <a:t> 일 수도 있고 그렇지 않을 수도 있습니다</a:t>
             </a:r>
             <a:r>
               <a:rPr lang="en-US" altLang="ko-KR" sz="2800" dirty="0">
@@ -12742,7 +12756,7 @@
                                         <p:tgtEl>
                                           <p:spTgt spid="3">
                                             <p:txEl>
-                                              <p:charRg st="303" end="378"/>
+                                              <p:pRg st="6" end="6"/>
                                             </p:txEl>
                                           </p:spTgt>
                                         </p:tgtEl>
@@ -14059,7 +14073,7 @@
           </a:ln>
           <a:extLst>
             <a:ext uri="{C572A759-6A51-4108-AA02-DFA0A04FC94B}">
-              <ma14:wrappingTextBoxFlag xmlns:ma14="http://schemas.microsoft.com/office/mac/drawingml/2011/main" xmlns="" val="1"/>
+              <ma14:wrappingTextBoxFlag xmlns="" xmlns:ma14="http://schemas.microsoft.com/office/mac/drawingml/2011/main" val="1"/>
             </a:ext>
           </a:extLst>
         </p:spPr>
@@ -14583,18 +14597,11 @@
               <a:t>. </a:t>
             </a:r>
             <a:r>
-              <a:rPr lang="ko-KR" altLang="en-US" sz="2800" dirty="0" err="1">
-                <a:latin typeface="나눔고딕" panose="020D0604000000000000" pitchFamily="50" charset="-127"/>
-                <a:ea typeface="나눔고딕" panose="020D0604000000000000" pitchFamily="50" charset="-127"/>
-              </a:rPr>
-              <a:t>그결과</a:t>
-            </a:r>
-            <a:r>
               <a:rPr lang="ko-KR" altLang="en-US" sz="2800" dirty="0">
                 <a:latin typeface="나눔고딕" panose="020D0604000000000000" pitchFamily="50" charset="-127"/>
                 <a:ea typeface="나눔고딕" panose="020D0604000000000000" pitchFamily="50" charset="-127"/>
               </a:rPr>
-              <a:t> 데이터베이스는 유지 보수가 훨씬 쉬울 것입니다</a:t>
+              <a:t>그 결과 데이터베이스는 유지 보수가 훨씬 쉬울 것입니다</a:t>
             </a:r>
             <a:r>
               <a:rPr lang="en-US" altLang="ko-KR" sz="2800" dirty="0">
@@ -15331,7 +15338,7 @@
                 <a:latin typeface="나눔고딕" panose="020D0604000000000000" pitchFamily="50" charset="-127"/>
                 <a:ea typeface="나눔고딕" panose="020D0604000000000000" pitchFamily="50" charset="-127"/>
               </a:rPr>
-              <a:t>애트리뷰트나</a:t>
+              <a:t>애트리뷰트에</a:t>
             </a:r>
             <a:r>
               <a:rPr lang="ko-KR" altLang="en-US" sz="2400" dirty="0">
@@ -17570,7 +17577,7 @@
                 <a:latin typeface="나눔고딕" panose="020D0604000000000000" pitchFamily="50" charset="-127"/>
                 <a:ea typeface="나눔고딕" panose="020D0604000000000000" pitchFamily="50" charset="-127"/>
               </a:rPr>
-              <a:t>이경우 관상용 개인지</a:t>
+              <a:t>이경우 전시용 개인지</a:t>
             </a:r>
             <a:r>
               <a:rPr lang="en-US" altLang="ko-KR" sz="2800" dirty="0">
@@ -17700,14 +17707,14 @@
               <a:buChar char="•"/>
             </a:pPr>
             <a:r>
-              <a:rPr lang="ko-KR" altLang="en-US" sz="2800" dirty="0">
+              <a:rPr lang="ko-KR" altLang="en-US" sz="2800" b="1" dirty="0">
                 <a:latin typeface="나눔고딕" panose="020D0604000000000000" pitchFamily="50" charset="-127"/>
                 <a:ea typeface="나눔고딕" panose="020D0604000000000000" pitchFamily="50" charset="-127"/>
               </a:rPr>
               <a:t>상속은 세분화와 일반화와 관련된 많은 문제에 대한 깔끔한 솔루션을 제공하지만 필요할 때만 사용해야 합니다</a:t>
             </a:r>
             <a:r>
-              <a:rPr lang="en-US" altLang="ko-KR" sz="2800" dirty="0">
+              <a:rPr lang="en-US" altLang="ko-KR" sz="2800" b="1" dirty="0">
                 <a:latin typeface="나눔고딕" panose="020D0604000000000000" pitchFamily="50" charset="-127"/>
                 <a:ea typeface="나눔고딕" panose="020D0604000000000000" pitchFamily="50" charset="-127"/>
               </a:rPr>
@@ -18684,7 +18691,7 @@
                 <a:latin typeface="나눔고딕" panose="020D0604000000000000" pitchFamily="50" charset="-127"/>
                 <a:ea typeface="나눔고딕" panose="020D0604000000000000" pitchFamily="50" charset="-127"/>
               </a:rPr>
-              <a:t>관상용 개를 개 클래스의 서브클래스로 가졌습니다</a:t>
+              <a:t>전시용 개를 개 클래스의 서브클래스로 가졌습니다</a:t>
             </a:r>
             <a:r>
               <a:rPr lang="en-US" altLang="ko-KR" sz="2800" dirty="0">
@@ -18726,7 +18733,21 @@
                 <a:latin typeface="나눔고딕" panose="020D0604000000000000" pitchFamily="50" charset="-127"/>
                 <a:ea typeface="나눔고딕" panose="020D0604000000000000" pitchFamily="50" charset="-127"/>
               </a:rPr>
-              <a:t>의 객체가 될 것이고 관상용 개는 관상용 개 서브클래스의 객체가 될 것입니다</a:t>
+              <a:t>의 객체가 될 것이고 전시용 개는 </a:t>
+            </a:r>
+            <a:r>
+              <a:rPr lang="en-US" altLang="ko-KR" sz="2800" dirty="0">
+                <a:latin typeface="나눔고딕" panose="020D0604000000000000" pitchFamily="50" charset="-127"/>
+                <a:ea typeface="나눔고딕" panose="020D0604000000000000" pitchFamily="50" charset="-127"/>
+              </a:rPr>
+              <a:t>Show Dog</a:t>
+            </a:r>
+            <a:r>
+              <a:rPr lang="ko-KR" altLang="en-US" sz="2800" dirty="0">
+                <a:latin typeface="나눔고딕" panose="020D0604000000000000" pitchFamily="50" charset="-127"/>
+                <a:ea typeface="나눔고딕" panose="020D0604000000000000" pitchFamily="50" charset="-127"/>
+              </a:rPr>
+              <a:t> 서브클래스의 객체가 될 것입니다</a:t>
             </a:r>
             <a:r>
               <a:rPr lang="en-US" altLang="ko-KR" sz="2800" dirty="0">
@@ -22586,7 +22607,7 @@
         </p:spPr>
         <p:txBody>
           <a:bodyPr>
-            <a:normAutofit/>
+            <a:normAutofit lnSpcReduction="10000"/>
           </a:bodyPr>
           <a:lstStyle/>
           <a:p>
@@ -22626,14 +22647,28 @@
                 <a:latin typeface="나눔고딕" panose="020D0604000000000000" pitchFamily="50" charset="-127"/>
                 <a:ea typeface="나눔고딕" panose="020D0604000000000000" pitchFamily="50" charset="-127"/>
               </a:rPr>
-              <a:t>애트리뷰트를</a:t>
+              <a:t>애트리뷰트들은</a:t>
             </a:r>
             <a:r>
               <a:rPr lang="ko-KR" altLang="en-US" sz="2800" dirty="0">
                 <a:latin typeface="나눔고딕" panose="020D0604000000000000" pitchFamily="50" charset="-127"/>
                 <a:ea typeface="나눔고딕" panose="020D0604000000000000" pitchFamily="50" charset="-127"/>
               </a:rPr>
-              <a:t> 실제로 적용할 수 없는 객체를 발견할 수 있습니다</a:t>
+              <a:t> 실제로 적용할 수 없는 </a:t>
+            </a:r>
+            <a:r>
+              <a:rPr lang="ko-KR" altLang="en-US" sz="2800" dirty="0" err="1">
+                <a:latin typeface="나눔고딕" panose="020D0604000000000000" pitchFamily="50" charset="-127"/>
+                <a:ea typeface="나눔고딕" panose="020D0604000000000000" pitchFamily="50" charset="-127"/>
+              </a:rPr>
+              <a:t>객체임를</a:t>
+            </a:r>
+            <a:r>
+              <a:rPr lang="ko-KR" altLang="en-US" sz="2800" dirty="0">
+                <a:latin typeface="나눔고딕" panose="020D0604000000000000" pitchFamily="50" charset="-127"/>
+                <a:ea typeface="나눔고딕" panose="020D0604000000000000" pitchFamily="50" charset="-127"/>
+              </a:rPr>
+              <a:t> 발견할 수 있었습니다</a:t>
             </a:r>
             <a:r>
               <a:rPr lang="en-US" altLang="ko-KR" sz="2800" dirty="0">
@@ -23356,21 +23391,21 @@
                 <a:latin typeface="나눔고딕" panose="020D0604000000000000" pitchFamily="50" charset="-127"/>
                 <a:ea typeface="나눔고딕" panose="020D0604000000000000" pitchFamily="50" charset="-127"/>
               </a:rPr>
-              <a:t>우리는 한 사람이 많은 계약과 관련 될 수 </a:t>
-            </a:r>
-            <a:r>
-              <a:rPr lang="ko-KR" altLang="en-US" sz="2800" dirty="0" err="1">
-                <a:latin typeface="나눔고딕" panose="020D0604000000000000" pitchFamily="50" charset="-127"/>
-                <a:ea typeface="나눔고딕" panose="020D0604000000000000" pitchFamily="50" charset="-127"/>
-              </a:rPr>
-              <a:t>있지만계약</a:t>
+              <a:t>우리는 한 사람이 많은 계약과 관련 될 수 있지만</a:t>
+            </a:r>
+            <a:r>
+              <a:rPr lang="en-US" altLang="ko-KR" sz="2800" dirty="0">
+                <a:latin typeface="나눔고딕" panose="020D0604000000000000" pitchFamily="50" charset="-127"/>
+                <a:ea typeface="나눔고딕" panose="020D0604000000000000" pitchFamily="50" charset="-127"/>
+              </a:rPr>
+              <a:t> </a:t>
             </a:r>
             <a:r>
               <a:rPr lang="ko-KR" altLang="en-US" sz="2800" dirty="0">
                 <a:latin typeface="나눔고딕" panose="020D0604000000000000" pitchFamily="50" charset="-127"/>
                 <a:ea typeface="나눔고딕" panose="020D0604000000000000" pitchFamily="50" charset="-127"/>
               </a:rPr>
-              <a:t> 타입에 관하여 제약이 없음을 알고 있습니다</a:t>
+              <a:t>계약 타입에 관하여 제약이 없음을 알고 있습니다</a:t>
             </a:r>
             <a:r>
               <a:rPr lang="en-US" altLang="ko-KR" sz="2800" dirty="0">
@@ -30736,12 +30771,8 @@
               <a:t>, </a:t>
             </a:r>
             <a:r>
-              <a:rPr lang="ko-KR" altLang="en-US" sz="2400" i="1" dirty="0" err="1"/>
-              <a:t>대추자에게</a:t>
-            </a:r>
-            <a:r>
               <a:rPr lang="ko-KR" altLang="en-US" sz="2400" i="1" dirty="0"/>
-              <a:t> 연락하는 방법</a:t>
+              <a:t>대출자에게 연락하는 방법</a:t>
             </a:r>
             <a:r>
               <a:rPr lang="en-US" altLang="ko-KR" sz="2400" i="1" dirty="0"/>
@@ -30765,15 +30796,15 @@
             </a:r>
             <a:r>
               <a:rPr lang="ko-KR" altLang="en-US" sz="2400" i="1" dirty="0"/>
-              <a:t>회원에게는 연체된 도서에 대해 일 </a:t>
+              <a:t>회원에게는 연체된 도서에 대해 </a:t>
             </a:r>
             <a:r>
               <a:rPr lang="en-US" altLang="ko-KR" sz="2400" i="1" dirty="0"/>
-              <a:t>$ 5</a:t>
+              <a:t>$ 5/</a:t>
             </a:r>
             <a:r>
               <a:rPr lang="ko-KR" altLang="en-US" sz="2400" i="1" dirty="0"/>
-              <a:t>의 벌금이 부과되지만 직원에게는 벌금이 부과되지 않습니다</a:t>
+              <a:t>일의 벌금이 부과되지만 직원에게는 벌금이 부과되지 않습니다</a:t>
             </a:r>
             <a:r>
               <a:rPr lang="en-US" altLang="ko-KR" sz="2400" i="1" dirty="0"/>
@@ -31883,17 +31914,7 @@
                 <a:latin typeface="나눔고딕" panose="020D0604000000000000" pitchFamily="50" charset="-127"/>
                 <a:ea typeface="나눔고딕" panose="020D0604000000000000" pitchFamily="50" charset="-127"/>
               </a:rPr>
-              <a:t>에 대한 수수료가 다르기 때문에 상속을 고려하지 </a:t>
-            </a:r>
-            <a:r>
-              <a:rPr lang="ko-KR" altLang="en-US" b="0" dirty="0" err="1">
-                <a:solidFill>
-                  <a:schemeClr val="bg1"/>
-                </a:solidFill>
-                <a:latin typeface="나눔고딕" panose="020D0604000000000000" pitchFamily="50" charset="-127"/>
-                <a:ea typeface="나눔고딕" panose="020D0604000000000000" pitchFamily="50" charset="-127"/>
-              </a:rPr>
-              <a:t>않아야합니다</a:t>
+              <a:t>에 대한 수수료가 다르기 때문에 상속을 고려하지 않습니다</a:t>
             </a:r>
             <a:r>
               <a:rPr lang="en-US" altLang="ko-KR" b="0" dirty="0">
@@ -32498,7 +32519,7 @@
                                         <p:tgtEl>
                                           <p:spTgt spid="16">
                                             <p:txEl>
-                                              <p:charRg st="279" end="346"/>
+                                              <p:pRg st="5" end="5"/>
                                             </p:txEl>
                                           </p:spTgt>
                                         </p:tgtEl>
@@ -32529,7 +32550,7 @@
                                         <p:tgtEl>
                                           <p:spTgt spid="16">
                                             <p:txEl>
-                                              <p:charRg st="346" end="446"/>
+                                              <p:pRg st="6" end="6"/>
                                             </p:txEl>
                                           </p:spTgt>
                                         </p:tgtEl>
@@ -32560,7 +32581,7 @@
                                         <p:tgtEl>
                                           <p:spTgt spid="16">
                                             <p:txEl>
-                                              <p:charRg st="446" end="515"/>
+                                              <p:pRg st="7" end="7"/>
                                             </p:txEl>
                                           </p:spTgt>
                                         </p:tgtEl>
@@ -32928,6 +32949,16 @@
               <a:buChar char="•"/>
             </a:pPr>
             <a:r>
+              <a:rPr lang="ko-KR" altLang="en-US" b="0" dirty="0" err="1">
+                <a:solidFill>
+                  <a:schemeClr val="bg1"/>
+                </a:solidFill>
+                <a:latin typeface="나눔고딕" panose="020D0604000000000000" pitchFamily="50" charset="-127"/>
+                <a:ea typeface="나눔고딕" panose="020D0604000000000000" pitchFamily="50" charset="-127"/>
+              </a:rPr>
+              <a:t>때떄로</a:t>
+            </a:r>
+            <a:r>
               <a:rPr lang="ko-KR" altLang="en-US" b="0" dirty="0">
                 <a:solidFill>
                   <a:schemeClr val="bg1"/>
@@ -32935,7 +32966,17 @@
                 <a:latin typeface="나눔고딕" panose="020D0604000000000000" pitchFamily="50" charset="-127"/>
                 <a:ea typeface="나눔고딕" panose="020D0604000000000000" pitchFamily="50" charset="-127"/>
               </a:rPr>
-              <a:t>서브클래스는 추상클래스이어야 합니다</a:t>
+              <a:t> 수퍼클래스는 추상클래스일 </a:t>
+            </a:r>
+            <a:r>
+              <a:rPr lang="ko-KR" altLang="en-US" b="0">
+                <a:solidFill>
+                  <a:schemeClr val="bg1"/>
+                </a:solidFill>
+                <a:latin typeface="나눔고딕" panose="020D0604000000000000" pitchFamily="50" charset="-127"/>
+                <a:ea typeface="나눔고딕" panose="020D0604000000000000" pitchFamily="50" charset="-127"/>
+              </a:rPr>
+              <a:t>수 있습니다</a:t>
             </a:r>
             <a:r>
               <a:rPr lang="en-US" altLang="ko-KR" b="0" dirty="0">
@@ -33230,7 +33271,7 @@
           </a:ln>
           <a:extLst>
             <a:ext uri="{C572A759-6A51-4108-AA02-DFA0A04FC94B}">
-              <ma14:wrappingTextBoxFlag xmlns:ma14="http://schemas.microsoft.com/office/mac/drawingml/2011/main" xmlns="" val="1"/>
+              <ma14:wrappingTextBoxFlag xmlns="" xmlns:ma14="http://schemas.microsoft.com/office/mac/drawingml/2011/main" val="1"/>
             </a:ext>
           </a:extLst>
         </p:spPr>
@@ -33359,7 +33400,7 @@
             <a:effectLst/>
             <a:extLst>
               <a:ext uri="{C572A759-6A51-4108-AA02-DFA0A04FC94B}">
-                <ma14:wrappingTextBoxFlag xmlns:ma14="http://schemas.microsoft.com/office/mac/drawingml/2011/main" xmlns="" val="1"/>
+                <ma14:wrappingTextBoxFlag xmlns="" xmlns:ma14="http://schemas.microsoft.com/office/mac/drawingml/2011/main" val="1"/>
               </a:ext>
             </a:extLst>
           </p:spPr>
@@ -33415,7 +33456,7 @@
           </a:prstGeom>
           <a:extLst>
             <a:ext uri="{C572A759-6A51-4108-AA02-DFA0A04FC94B}">
-              <ma14:wrappingTextBoxFlag xmlns:ma14="http://schemas.microsoft.com/office/mac/drawingml/2011/main" xmlns="" val="1"/>
+              <ma14:wrappingTextBoxFlag xmlns="" xmlns:ma14="http://schemas.microsoft.com/office/mac/drawingml/2011/main" val="1"/>
             </a:ext>
           </a:extLst>
         </p:spPr>
@@ -34362,21 +34403,7 @@
                 <a:latin typeface="나눔고딕" panose="020D0604000000000000" pitchFamily="50" charset="-127"/>
                 <a:ea typeface="나눔고딕" panose="020D0604000000000000" pitchFamily="50" charset="-127"/>
               </a:rPr>
-              <a:t> 신뢰할 </a:t>
-            </a:r>
-            <a:r>
-              <a:rPr lang="ko-KR" altLang="en-US" sz="2400" dirty="0" err="1">
-                <a:latin typeface="나눔고딕" panose="020D0604000000000000" pitchFamily="50" charset="-127"/>
-                <a:ea typeface="나눔고딕" panose="020D0604000000000000" pitchFamily="50" charset="-127"/>
-              </a:rPr>
-              <a:t>수있는</a:t>
-            </a:r>
-            <a:r>
-              <a:rPr lang="ko-KR" altLang="en-US" sz="2400" dirty="0">
-                <a:latin typeface="나눔고딕" panose="020D0604000000000000" pitchFamily="50" charset="-127"/>
-                <a:ea typeface="나눔고딕" panose="020D0604000000000000" pitchFamily="50" charset="-127"/>
-              </a:rPr>
-              <a:t> 정보를 제공하지 않습니다</a:t>
+              <a:t> 신뢰할 수 있는 정보를 제공하지 않습니다</a:t>
             </a:r>
             <a:r>
               <a:rPr lang="en-US" altLang="ko-KR" sz="2400" dirty="0">
@@ -34476,7 +34503,7 @@
                 <a:latin typeface="나눔고딕" panose="020D0604000000000000" pitchFamily="50" charset="-127"/>
                 <a:ea typeface="나눔고딕" panose="020D0604000000000000" pitchFamily="50" charset="-127"/>
               </a:rPr>
-              <a:t>그러나 이것은 복잡하며</a:t>
+              <a:t>그러나 이는 복잡하며</a:t>
             </a:r>
             <a:r>
               <a:rPr lang="en-US" altLang="ko-KR" sz="2400" dirty="0">
@@ -36558,7 +36585,21 @@
                 <a:latin typeface="나눔고딕" panose="020D0604000000000000" pitchFamily="50" charset="-127"/>
                 <a:ea typeface="나눔고딕" panose="020D0604000000000000" pitchFamily="50" charset="-127"/>
               </a:rPr>
-              <a:t>그러나 팻은 등급이 알려지지 않은 관리자일 수 있습니다</a:t>
+              <a:t>그러나 </a:t>
+            </a:r>
+            <a:r>
+              <a:rPr lang="en-US" altLang="ko-KR" sz="2400" dirty="0">
+                <a:latin typeface="나눔고딕" panose="020D0604000000000000" pitchFamily="50" charset="-127"/>
+                <a:ea typeface="나눔고딕" panose="020D0604000000000000" pitchFamily="50" charset="-127"/>
+              </a:rPr>
+              <a:t>Pat</a:t>
+            </a:r>
+            <a:r>
+              <a:rPr lang="ko-KR" altLang="en-US" sz="2400" dirty="0">
+                <a:latin typeface="나눔고딕" panose="020D0604000000000000" pitchFamily="50" charset="-127"/>
+                <a:ea typeface="나눔고딕" panose="020D0604000000000000" pitchFamily="50" charset="-127"/>
+              </a:rPr>
+              <a:t>은 등급이 알려지지 않은 관리자일 수 있습니다</a:t>
             </a:r>
             <a:r>
               <a:rPr lang="en-US" altLang="ko-KR" sz="2400" dirty="0">
@@ -37956,7 +37997,7 @@
                                         <p:tgtEl>
                                           <p:spTgt spid="3">
                                             <p:txEl>
-                                              <p:charRg st="69" end="122"/>
+                                              <p:pRg st="1" end="1"/>
                                             </p:txEl>
                                           </p:spTgt>
                                         </p:tgtEl>
